--- a/Figs/Fig 5.pptx
+++ b/Figs/Fig 5.pptx
@@ -197,7 +197,7 @@
           <a:p>
             <a:fld id="{483BB280-C901-2745-AFC5-308E704D7A1F}" type="datetimeFigureOut">
               <a:rPr lang="en-GB" smtClean="0"/>
-              <a:t>15/11/2022</a:t>
+              <a:t>11/12/2022</a:t>
             </a:fld>
             <a:endParaRPr lang="en-GB"/>
           </a:p>
@@ -684,7 +684,7 @@
           <a:p>
             <a:fld id="{BEC33776-22F2-2B43-887F-F04D3ADA39B4}" type="datetimeFigureOut">
               <a:rPr lang="en-GB" smtClean="0"/>
-              <a:t>15/11/2022</a:t>
+              <a:t>11/12/2022</a:t>
             </a:fld>
             <a:endParaRPr lang="en-GB"/>
           </a:p>
@@ -854,7 +854,7 @@
           <a:p>
             <a:fld id="{BEC33776-22F2-2B43-887F-F04D3ADA39B4}" type="datetimeFigureOut">
               <a:rPr lang="en-GB" smtClean="0"/>
-              <a:t>15/11/2022</a:t>
+              <a:t>11/12/2022</a:t>
             </a:fld>
             <a:endParaRPr lang="en-GB"/>
           </a:p>
@@ -1034,7 +1034,7 @@
           <a:p>
             <a:fld id="{BEC33776-22F2-2B43-887F-F04D3ADA39B4}" type="datetimeFigureOut">
               <a:rPr lang="en-GB" smtClean="0"/>
-              <a:t>15/11/2022</a:t>
+              <a:t>11/12/2022</a:t>
             </a:fld>
             <a:endParaRPr lang="en-GB"/>
           </a:p>
@@ -1204,7 +1204,7 @@
           <a:p>
             <a:fld id="{BEC33776-22F2-2B43-887F-F04D3ADA39B4}" type="datetimeFigureOut">
               <a:rPr lang="en-GB" smtClean="0"/>
-              <a:t>15/11/2022</a:t>
+              <a:t>11/12/2022</a:t>
             </a:fld>
             <a:endParaRPr lang="en-GB"/>
           </a:p>
@@ -1448,7 +1448,7 @@
           <a:p>
             <a:fld id="{BEC33776-22F2-2B43-887F-F04D3ADA39B4}" type="datetimeFigureOut">
               <a:rPr lang="en-GB" smtClean="0"/>
-              <a:t>15/11/2022</a:t>
+              <a:t>11/12/2022</a:t>
             </a:fld>
             <a:endParaRPr lang="en-GB"/>
           </a:p>
@@ -1680,7 +1680,7 @@
           <a:p>
             <a:fld id="{BEC33776-22F2-2B43-887F-F04D3ADA39B4}" type="datetimeFigureOut">
               <a:rPr lang="en-GB" smtClean="0"/>
-              <a:t>15/11/2022</a:t>
+              <a:t>11/12/2022</a:t>
             </a:fld>
             <a:endParaRPr lang="en-GB"/>
           </a:p>
@@ -2047,7 +2047,7 @@
           <a:p>
             <a:fld id="{BEC33776-22F2-2B43-887F-F04D3ADA39B4}" type="datetimeFigureOut">
               <a:rPr lang="en-GB" smtClean="0"/>
-              <a:t>15/11/2022</a:t>
+              <a:t>11/12/2022</a:t>
             </a:fld>
             <a:endParaRPr lang="en-GB"/>
           </a:p>
@@ -2165,7 +2165,7 @@
           <a:p>
             <a:fld id="{BEC33776-22F2-2B43-887F-F04D3ADA39B4}" type="datetimeFigureOut">
               <a:rPr lang="en-GB" smtClean="0"/>
-              <a:t>15/11/2022</a:t>
+              <a:t>11/12/2022</a:t>
             </a:fld>
             <a:endParaRPr lang="en-GB"/>
           </a:p>
@@ -2260,7 +2260,7 @@
           <a:p>
             <a:fld id="{BEC33776-22F2-2B43-887F-F04D3ADA39B4}" type="datetimeFigureOut">
               <a:rPr lang="en-GB" smtClean="0"/>
-              <a:t>15/11/2022</a:t>
+              <a:t>11/12/2022</a:t>
             </a:fld>
             <a:endParaRPr lang="en-GB"/>
           </a:p>
@@ -2537,7 +2537,7 @@
           <a:p>
             <a:fld id="{BEC33776-22F2-2B43-887F-F04D3ADA39B4}" type="datetimeFigureOut">
               <a:rPr lang="en-GB" smtClean="0"/>
-              <a:t>15/11/2022</a:t>
+              <a:t>11/12/2022</a:t>
             </a:fld>
             <a:endParaRPr lang="en-GB"/>
           </a:p>
@@ -2794,7 +2794,7 @@
           <a:p>
             <a:fld id="{BEC33776-22F2-2B43-887F-F04D3ADA39B4}" type="datetimeFigureOut">
               <a:rPr lang="en-GB" smtClean="0"/>
-              <a:t>15/11/2022</a:t>
+              <a:t>11/12/2022</a:t>
             </a:fld>
             <a:endParaRPr lang="en-GB"/>
           </a:p>
@@ -3007,7 +3007,7 @@
           <a:p>
             <a:fld id="{BEC33776-22F2-2B43-887F-F04D3ADA39B4}" type="datetimeFigureOut">
               <a:rPr lang="en-GB" smtClean="0"/>
-              <a:t>15/11/2022</a:t>
+              <a:t>11/12/2022</a:t>
             </a:fld>
             <a:endParaRPr lang="en-GB"/>
           </a:p>
@@ -4473,7 +4473,7 @@
                 <a:latin typeface="Arial" panose="020B0604020202020204" pitchFamily="34" charset="0"/>
                 <a:cs typeface="Arial" panose="020B0604020202020204" pitchFamily="34" charset="0"/>
               </a:rPr>
-              <a:t>Temporal variability of species detections</a:t>
+              <a:t>Temporal stability of species detections</a:t>
             </a:r>
           </a:p>
         </p:txBody>
